--- a/Dissertation/Dissertation Proposal/Dissertation Proposal.pptx
+++ b/Dissertation/Dissertation Proposal/Dissertation Proposal.pptx
@@ -340,7 +340,7 @@
             <a:fld id="{786423F5-F636-4F8D-8C93-CA00FBEE23CC}" type="datetimeFigureOut">
               <a:rPr lang="en-US" smtClean="0"/>
               <a:pPr/>
-              <a:t>10/25/2016</a:t>
+              <a:t>10/26/2016</a:t>
             </a:fld>
             <a:endParaRPr lang="en-US"/>
           </a:p>
@@ -552,7 +552,7 @@
             <a:fld id="{786423F5-F636-4F8D-8C93-CA00FBEE23CC}" type="datetimeFigureOut">
               <a:rPr lang="en-US" smtClean="0"/>
               <a:pPr/>
-              <a:t>10/25/2016</a:t>
+              <a:t>10/26/2016</a:t>
             </a:fld>
             <a:endParaRPr lang="en-US"/>
           </a:p>
@@ -719,7 +719,7 @@
             <a:fld id="{786423F5-F636-4F8D-8C93-CA00FBEE23CC}" type="datetimeFigureOut">
               <a:rPr lang="en-US" smtClean="0"/>
               <a:pPr/>
-              <a:t>10/25/2016</a:t>
+              <a:t>10/26/2016</a:t>
             </a:fld>
             <a:endParaRPr lang="en-US"/>
           </a:p>
@@ -1004,7 +1004,7 @@
             <a:fld id="{786423F5-F636-4F8D-8C93-CA00FBEE23CC}" type="datetimeFigureOut">
               <a:rPr lang="en-US" smtClean="0"/>
               <a:pPr/>
-              <a:t>10/25/2016</a:t>
+              <a:t>10/26/2016</a:t>
             </a:fld>
             <a:endParaRPr lang="en-US"/>
           </a:p>
@@ -1472,7 +1472,7 @@
             <a:fld id="{786423F5-F636-4F8D-8C93-CA00FBEE23CC}" type="datetimeFigureOut">
               <a:rPr lang="en-US" smtClean="0"/>
               <a:pPr/>
-              <a:t>10/25/2016</a:t>
+              <a:t>10/26/2016</a:t>
             </a:fld>
             <a:endParaRPr lang="en-US"/>
           </a:p>
@@ -1622,7 +1622,7 @@
             <a:fld id="{786423F5-F636-4F8D-8C93-CA00FBEE23CC}" type="datetimeFigureOut">
               <a:rPr lang="en-US" smtClean="0"/>
               <a:pPr/>
-              <a:t>10/25/2016</a:t>
+              <a:t>10/26/2016</a:t>
             </a:fld>
             <a:endParaRPr lang="en-US"/>
           </a:p>
@@ -1714,7 +1714,7 @@
             <a:fld id="{786423F5-F636-4F8D-8C93-CA00FBEE23CC}" type="datetimeFigureOut">
               <a:rPr lang="en-US" smtClean="0"/>
               <a:pPr/>
-              <a:t>10/25/2016</a:t>
+              <a:t>10/26/2016</a:t>
             </a:fld>
             <a:endParaRPr lang="en-US"/>
           </a:p>
@@ -1990,7 +1990,7 @@
             <a:fld id="{786423F5-F636-4F8D-8C93-CA00FBEE23CC}" type="datetimeFigureOut">
               <a:rPr lang="en-US" smtClean="0"/>
               <a:pPr/>
-              <a:t>10/25/2016</a:t>
+              <a:t>10/26/2016</a:t>
             </a:fld>
             <a:endParaRPr lang="en-US"/>
           </a:p>
@@ -2297,7 +2297,7 @@
             <a:fld id="{786423F5-F636-4F8D-8C93-CA00FBEE23CC}" type="datetimeFigureOut">
               <a:rPr lang="en-US" smtClean="0"/>
               <a:pPr/>
-              <a:t>10/25/2016</a:t>
+              <a:t>10/26/2016</a:t>
             </a:fld>
             <a:endParaRPr lang="en-US"/>
           </a:p>
@@ -2464,7 +2464,7 @@
             <a:fld id="{786423F5-F636-4F8D-8C93-CA00FBEE23CC}" type="datetimeFigureOut">
               <a:rPr lang="en-US" smtClean="0"/>
               <a:pPr/>
-              <a:t>10/25/2016</a:t>
+              <a:t>10/26/2016</a:t>
             </a:fld>
             <a:endParaRPr lang="en-US"/>
           </a:p>
@@ -2764,7 +2764,7 @@
             <a:fld id="{786423F5-F636-4F8D-8C93-CA00FBEE23CC}" type="datetimeFigureOut">
               <a:rPr lang="en-US" smtClean="0"/>
               <a:pPr/>
-              <a:t>10/25/2016</a:t>
+              <a:t>10/26/2016</a:t>
             </a:fld>
             <a:endParaRPr lang="en-US"/>
           </a:p>
@@ -3209,11 +3209,7 @@
             <a:pPr hangingPunct="0"/>
             <a:r>
               <a:rPr lang="en-US" sz="2800" cap="none" dirty="0" smtClean="0"/>
-              <a:t>Analysis and Mitigation of Radiation Induced Errors In Modern </a:t>
-            </a:r>
-            <a:r>
-              <a:rPr lang="en-US" sz="2800" cap="none" dirty="0" smtClean="0"/>
-              <a:t>Circuits </a:t>
+              <a:t>Analysis and Mitigation of Radiation Induced Errors In Modern Circuits </a:t>
             </a:r>
             <a:endParaRPr lang="en-US" sz="2800" cap="none" dirty="0"/>
           </a:p>
@@ -3513,8 +3509,17 @@
           <a:p>
             <a:r>
               <a:rPr lang="en-US" sz="2400" dirty="0" smtClean="0"/>
-              <a:t>Clock gating – shut off the clock to save power</a:t>
-            </a:r>
+              <a:t>Clock gating – shut off the clock to </a:t>
+            </a:r>
+            <a:r>
+              <a:rPr lang="en-US" sz="2400" smtClean="0"/>
+              <a:t>save </a:t>
+            </a:r>
+            <a:r>
+              <a:rPr lang="en-US" sz="2400" smtClean="0"/>
+              <a:t>power</a:t>
+            </a:r>
+            <a:endParaRPr lang="en-US" sz="2400" dirty="0" smtClean="0"/>
           </a:p>
           <a:p>
             <a:r>
@@ -3770,6 +3775,13 @@
   <p:clrMapOvr>
     <a:masterClrMapping/>
   </p:clrMapOvr>
+  <p:timing>
+    <p:tnLst>
+      <p:par>
+        <p:cTn id="1" dur="indefinite" restart="never" nodeType="tmRoot"/>
+      </p:par>
+    </p:tnLst>
+  </p:timing>
 </p:sld>
 </file>
 
@@ -3955,7 +3967,7 @@
           <a:p>
             <a:r>
               <a:rPr lang="en-US" dirty="0" smtClean="0"/>
-              <a:t>They calculate the soft error rate of a circuits</a:t>
+              <a:t>They calculate the soft error rate of a circuit</a:t>
             </a:r>
           </a:p>
           <a:p>
@@ -4258,7 +4270,9 @@
           </a:xfrm>
         </p:spPr>
         <p:txBody>
-          <a:bodyPr/>
+          <a:bodyPr>
+            <a:normAutofit lnSpcReduction="10000"/>
+          </a:bodyPr>
           <a:lstStyle/>
           <a:p>
             <a:r>
@@ -4289,7 +4303,7 @@
             <a:pPr lvl="1"/>
             <a:r>
               <a:rPr lang="en-US" dirty="0" smtClean="0"/>
-              <a:t>Logical Masking – the “1s” and “0s” mask the pulse</a:t>
+              <a:t>Logical Masking – the “1s” and “0s” from the input pattern mask the pulse</a:t>
             </a:r>
           </a:p>
           <a:p>
@@ -4427,7 +4441,7 @@
           <a:p>
             <a:r>
               <a:rPr lang="en-US" dirty="0" smtClean="0"/>
-              <a:t>Latching Evaluation – it is determined at the output device of the pulse is stored </a:t>
+              <a:t>Latching Evaluation – it is determined at the output device if the pulse is stored </a:t>
             </a:r>
             <a:endParaRPr lang="en-US" dirty="0"/>
           </a:p>
@@ -4568,7 +4582,7 @@
           <a:p>
             <a:r>
               <a:rPr lang="en-US" dirty="0" smtClean="0"/>
-              <a:t>Further complicates the problem due to glitch merging</a:t>
+              <a:t>Further complicates the problem due to pulse merging</a:t>
             </a:r>
           </a:p>
           <a:p>
@@ -4779,7 +4793,7 @@
             <a:pPr lvl="1"/>
             <a:r>
               <a:rPr lang="en-US" dirty="0" smtClean="0"/>
-              <a:t>Determines the SER using the correlation coefficient methodology (CCM)</a:t>
+              <a:t>Determines the logical masking effect using the correlation coefficient methodology (CCM)</a:t>
             </a:r>
           </a:p>
           <a:p>
@@ -4905,6 +4919,16 @@
           </a:p>
           <a:p>
             <a:r>
+              <a:rPr lang="en-US" dirty="0"/>
+              <a:t>Soft Error </a:t>
+            </a:r>
+            <a:r>
+              <a:rPr lang="en-US" dirty="0" smtClean="0"/>
+              <a:t>Simulators</a:t>
+            </a:r>
+          </a:p>
+          <a:p>
+            <a:r>
               <a:rPr lang="en-US" dirty="0" smtClean="0"/>
               <a:t>Transient Pulse Shape Approximation</a:t>
             </a:r>
@@ -4912,17 +4936,8 @@
           <a:p>
             <a:r>
               <a:rPr lang="en-US" dirty="0" smtClean="0"/>
-              <a:t>Soft Error Simulators</a:t>
-            </a:r>
-          </a:p>
-          <a:p>
-            <a:r>
-              <a:rPr lang="en-US" dirty="0" smtClean="0"/>
               <a:t>Conclusion</a:t>
             </a:r>
-          </a:p>
-          <a:p>
-            <a:endParaRPr lang="en-US" dirty="0"/>
           </a:p>
         </p:txBody>
       </p:sp>
@@ -5059,6 +5074,13 @@
             <a:pPr lvl="1"/>
             <a:r>
               <a:rPr lang="en-US" dirty="0" smtClean="0"/>
+              <a:t>Only considers pulse width and magnitude for electrical masking</a:t>
+            </a:r>
+          </a:p>
+          <a:p>
+            <a:pPr lvl="1"/>
+            <a:r>
+              <a:rPr lang="en-US" dirty="0" smtClean="0"/>
               <a:t>Vulnerable to BDD size blow up</a:t>
             </a:r>
           </a:p>
@@ -5146,11 +5168,7 @@
           <a:p>
             <a:r>
               <a:rPr lang="en-US" dirty="0" smtClean="0"/>
-              <a:t>Current soft error simulators use inaccurate electrical masking model</a:t>
-            </a:r>
-            <a:r>
-              <a:rPr lang="en-US" dirty="0" smtClean="0"/>
-              <a:t>s</a:t>
+              <a:t>Current soft error simulators use inaccurate electrical masking models</a:t>
             </a:r>
           </a:p>
           <a:p>
@@ -5168,7 +5186,7 @@
           <a:p>
             <a:r>
               <a:rPr lang="en-US" dirty="0" smtClean="0"/>
-              <a:t>It is proposed to develop a simulator that use partitioning and BDDs to determine logical masking</a:t>
+              <a:t>It is proposed to develop a simulator that uses partitioning and BDDs to determine logical masking</a:t>
             </a:r>
           </a:p>
           <a:p>
@@ -5176,7 +5194,6 @@
               <a:rPr lang="en-US" dirty="0" smtClean="0"/>
               <a:t>Proposed simulator will also use an accurate model for electrical attenuation</a:t>
             </a:r>
-            <a:endParaRPr lang="en-US" dirty="0" smtClean="0"/>
           </a:p>
         </p:txBody>
       </p:sp>
@@ -5381,19 +5398,14 @@
           <a:p>
             <a:r>
               <a:rPr lang="en-US" dirty="0" smtClean="0"/>
-              <a:t>Most existing pulse approximation methods only consider one pulse arriving on a </a:t>
-            </a:r>
-            <a:r>
-              <a:rPr lang="en-US" dirty="0" smtClean="0"/>
-              <a:t>gate</a:t>
-            </a:r>
-          </a:p>
-          <a:p>
-            <a:r>
-              <a:rPr lang="en-US" dirty="0" smtClean="0"/>
-              <a:t>Additionally only use simple square or trapezoidal approximation</a:t>
-            </a:r>
-            <a:endParaRPr lang="en-US" dirty="0" smtClean="0"/>
+              <a:t>Most existing pulse approximation methods only consider one pulse arriving on a gate</a:t>
+            </a:r>
+          </a:p>
+          <a:p>
+            <a:r>
+              <a:rPr lang="en-US" dirty="0" smtClean="0"/>
+              <a:t>Additionally most only use simple square or trapezoidal approximation</a:t>
+            </a:r>
           </a:p>
           <a:p>
             <a:endParaRPr lang="en-US" dirty="0" smtClean="0"/>
@@ -5489,14 +5501,19 @@
           <a:p>
             <a:r>
               <a:rPr lang="en-US" dirty="0" smtClean="0"/>
-              <a:t>May be propagated to a gate</a:t>
-            </a:r>
-          </a:p>
-          <a:p>
-            <a:r>
-              <a:rPr lang="en-US" dirty="0" smtClean="0"/>
-              <a:t>If all inputs are non-controlling, it will propagated</a:t>
-            </a:r>
+              <a:t>May be propagated to a primary output</a:t>
+            </a:r>
+          </a:p>
+          <a:p>
+            <a:r>
+              <a:rPr lang="en-US" dirty="0" smtClean="0"/>
+              <a:t>If all inputs are non-controlling, it </a:t>
+            </a:r>
+            <a:r>
+              <a:rPr lang="en-US" smtClean="0"/>
+              <a:t>will prop</a:t>
+            </a:r>
+            <a:endParaRPr lang="en-US" dirty="0" smtClean="0"/>
           </a:p>
           <a:p>
             <a:r>
@@ -5723,7 +5740,7 @@
           <a:p>
             <a:r>
               <a:rPr lang="en-US" dirty="0" smtClean="0"/>
-              <a:t>The pulse may arrive at a gate simultaneously</a:t>
+              <a:t>Many pulses may arrive at a gate simultaneously</a:t>
             </a:r>
           </a:p>
           <a:p>
@@ -5796,7 +5813,7 @@
         </p:blipFill>
         <p:spPr>
           <a:xfrm>
-            <a:off x="4800600" y="2133600"/>
+            <a:off x="4920759" y="2133600"/>
             <a:ext cx="4133978" cy="2209800"/>
           </a:xfrm>
           <a:prstGeom prst="rect">
@@ -5907,7 +5924,7 @@
           <a:p>
             <a:r>
               <a:rPr lang="en-US" dirty="0" smtClean="0"/>
-              <a:t>Simplest existing is square approximation</a:t>
+              <a:t>Simplest is square approximation</a:t>
             </a:r>
           </a:p>
           <a:p>
@@ -6138,7 +6155,7 @@
             <a:pPr lvl="1"/>
             <a:r>
               <a:rPr lang="en-US" dirty="0" smtClean="0"/>
-              <a:t>Fits to gate using pre-characterized look up tables</a:t>
+              <a:t>Fits to output pulse using pre-characterized look up tables</a:t>
             </a:r>
           </a:p>
           <a:p>
@@ -6152,7 +6169,7 @@
             <a:pPr lvl="1"/>
             <a:r>
               <a:rPr lang="en-US" dirty="0" smtClean="0"/>
-              <a:t>Does not consider METs</a:t>
+              <a:t>Existing methods do not consider METs</a:t>
             </a:r>
             <a:endParaRPr lang="en-US" dirty="0"/>
           </a:p>
@@ -6347,13 +6364,17 @@
           <a:p>
             <a:r>
               <a:rPr lang="en-US" dirty="0" smtClean="0"/>
-              <a:t>Existing methods only consider a single pulse</a:t>
-            </a:r>
-          </a:p>
-          <a:p>
-            <a:r>
-              <a:rPr lang="en-US" dirty="0" smtClean="0"/>
-              <a:t>No existing methods for multiple pulses</a:t>
+              <a:t>Most methods only consider a single pulse</a:t>
+            </a:r>
+          </a:p>
+          <a:p>
+            <a:r>
+              <a:rPr lang="en-US" dirty="0"/>
+              <a:t>E</a:t>
+            </a:r>
+            <a:r>
+              <a:rPr lang="en-US" dirty="0" smtClean="0"/>
+              <a:t>xisting methods for multiple pulses are inaccurate</a:t>
             </a:r>
           </a:p>
           <a:p>
@@ -6383,6 +6404,13 @@
   <p:clrMapOvr>
     <a:masterClrMapping/>
   </p:clrMapOvr>
+  <p:timing>
+    <p:tnLst>
+      <p:par>
+        <p:cTn id="1" dur="indefinite" restart="never" nodeType="tmRoot"/>
+      </p:par>
+    </p:tnLst>
+  </p:timing>
 </p:sld>
 </file>
 
@@ -6469,21 +6497,28 @@
           <a:p>
             <a:pPr lvl="1"/>
             <a:r>
-              <a:rPr lang="en-US" dirty="0" smtClean="0"/>
-              <a:t>Simulation tool that calculate the SER using BDDs and an accurate electrical masking model</a:t>
+              <a:rPr lang="en-US" smtClean="0"/>
+              <a:t>A simulation </a:t>
+            </a:r>
+            <a:r>
+              <a:rPr lang="en-US" dirty="0" smtClean="0"/>
+              <a:t>tool </a:t>
+            </a:r>
+            <a:r>
+              <a:rPr lang="en-US" smtClean="0"/>
+              <a:t>that calculates </a:t>
+            </a:r>
+            <a:r>
+              <a:rPr lang="en-US" dirty="0" smtClean="0"/>
+              <a:t>the SER using BDDs and an accurate electrical masking model</a:t>
             </a:r>
           </a:p>
           <a:p>
             <a:pPr lvl="1"/>
             <a:r>
               <a:rPr lang="en-US" dirty="0" smtClean="0"/>
-              <a:t>An accurate equivalent circuit model for determining the </a:t>
-            </a:r>
-            <a:r>
-              <a:rPr lang="en-US" smtClean="0"/>
-              <a:t>pulse shape</a:t>
-            </a:r>
-            <a:endParaRPr lang="en-US" dirty="0" smtClean="0"/>
+              <a:t>An accurate equivalent circuit model for determining the pulse shape</a:t>
+            </a:r>
           </a:p>
           <a:p>
             <a:endParaRPr lang="en-US" dirty="0"/>
@@ -6500,6 +6535,13 @@
   <p:clrMapOvr>
     <a:masterClrMapping/>
   </p:clrMapOvr>
+  <p:timing>
+    <p:tnLst>
+      <p:par>
+        <p:cTn id="1" dur="indefinite" restart="never" nodeType="tmRoot"/>
+      </p:par>
+    </p:tnLst>
+  </p:timing>
 </p:sld>
 </file>
 
@@ -6608,16 +6650,10 @@
           <a:p>
             <a:pPr lvl="1"/>
             <a:r>
-              <a:rPr lang="en-US" dirty="0"/>
+              <a:rPr lang="en-US" dirty="0" smtClean="0"/>
               <a:t>Neutrons</a:t>
             </a:r>
-          </a:p>
-          <a:p>
-            <a:pPr lvl="1"/>
-            <a:r>
-              <a:rPr lang="en-US" dirty="0"/>
-              <a:t>Gamma Rays</a:t>
-            </a:r>
+            <a:endParaRPr lang="en-US" dirty="0"/>
           </a:p>
           <a:p>
             <a:pPr lvl="1"/>
@@ -6636,14 +6672,6 @@
               <a:rPr lang="en-US" dirty="0" smtClean="0"/>
               <a:t>Ions</a:t>
             </a:r>
-          </a:p>
-          <a:p>
-            <a:pPr lvl="1"/>
-            <a:r>
-              <a:rPr lang="en-US" dirty="0" smtClean="0"/>
-              <a:t>And more</a:t>
-            </a:r>
-            <a:endParaRPr lang="en-US" dirty="0"/>
           </a:p>
         </p:txBody>
       </p:sp>
@@ -6807,14 +6835,30 @@
             <a:pPr lvl="1"/>
             <a:r>
               <a:rPr lang="en-US" dirty="0" smtClean="0"/>
-              <a:t>Soft Error – The error only causes temporary damage to the device</a:t>
+              <a:t>Soft Error – </a:t>
+            </a:r>
+            <a:r>
+              <a:rPr lang="en-US" dirty="0" smtClean="0"/>
+              <a:t>the </a:t>
+            </a:r>
+            <a:r>
+              <a:rPr lang="en-US" dirty="0" smtClean="0"/>
+              <a:t>error only causes temporary damage to the device</a:t>
             </a:r>
           </a:p>
           <a:p>
             <a:pPr lvl="1"/>
             <a:r>
               <a:rPr lang="en-US" dirty="0" smtClean="0"/>
-              <a:t>Hard Error – The device is permanently damaged</a:t>
+              <a:t>Hard Error – </a:t>
+            </a:r>
+            <a:r>
+              <a:rPr lang="en-US" dirty="0" smtClean="0"/>
+              <a:t>the </a:t>
+            </a:r>
+            <a:r>
+              <a:rPr lang="en-US" dirty="0" smtClean="0"/>
+              <a:t>device is permanently damaged</a:t>
             </a:r>
           </a:p>
           <a:p>
@@ -7093,6 +7137,13 @@
   <p:clrMapOvr>
     <a:masterClrMapping/>
   </p:clrMapOvr>
+  <p:timing>
+    <p:tnLst>
+      <p:par>
+        <p:cTn id="1" dur="indefinite" restart="never" nodeType="tmRoot"/>
+      </p:par>
+    </p:tnLst>
+  </p:timing>
 </p:sld>
 </file>
 
@@ -7277,7 +7328,19 @@
           <a:p>
             <a:r>
               <a:rPr lang="en-US" dirty="0" smtClean="0"/>
-              <a:t>In this section existing SEU tolerant latches are investigated</a:t>
+              <a:t>In this section existing </a:t>
+            </a:r>
+            <a:r>
+              <a:rPr lang="en-US" dirty="0" smtClean="0"/>
+              <a:t>error</a:t>
+            </a:r>
+            <a:r>
+              <a:rPr lang="en-US" dirty="0" smtClean="0"/>
+              <a:t> </a:t>
+            </a:r>
+            <a:r>
+              <a:rPr lang="en-US" dirty="0" smtClean="0"/>
+              <a:t>tolerant latches are investigated</a:t>
             </a:r>
           </a:p>
           <a:p>
@@ -7297,13 +7360,29 @@
             <a:pPr lvl="1"/>
             <a:r>
               <a:rPr lang="en-US" dirty="0" smtClean="0"/>
-              <a:t>Double Node Upset (DNU) – Two Nodes are struck by a particle</a:t>
-            </a:r>
-          </a:p>
-          <a:p>
-            <a:r>
-              <a:rPr lang="en-US" dirty="0" smtClean="0"/>
-              <a:t>Some of the latches are usable to clock gating</a:t>
+              <a:t>Double Node Upset (DNU) – </a:t>
+            </a:r>
+            <a:r>
+              <a:rPr lang="en-US" dirty="0" smtClean="0"/>
+              <a:t>two </a:t>
+            </a:r>
+            <a:r>
+              <a:rPr lang="en-US" dirty="0"/>
+              <a:t>n</a:t>
+            </a:r>
+            <a:r>
+              <a:rPr lang="en-US" dirty="0" smtClean="0"/>
+              <a:t>odes </a:t>
+            </a:r>
+            <a:r>
+              <a:rPr lang="en-US" dirty="0" smtClean="0"/>
+              <a:t>are struck by a particle</a:t>
+            </a:r>
+          </a:p>
+          <a:p>
+            <a:r>
+              <a:rPr lang="en-US" dirty="0" smtClean="0"/>
+              <a:t>Some of the latches are suitable for clock gating</a:t>
             </a:r>
           </a:p>
           <a:p>
@@ -7325,6 +7404,13 @@
   <p:clrMapOvr>
     <a:masterClrMapping/>
   </p:clrMapOvr>
+  <p:timing>
+    <p:tnLst>
+      <p:par>
+        <p:cTn id="1" dur="indefinite" restart="never" nodeType="tmRoot"/>
+      </p:par>
+    </p:tnLst>
+  </p:timing>
 </p:sld>
 </file>
 
